--- a/Slides/Practice/1 Unity基础.pptx
+++ b/Slides/Practice/1 Unity基础.pptx
@@ -41,7 +41,7 @@
     <p:sldId id="288" r:id="rId32"/>
     <p:sldId id="289" r:id="rId33"/>
   </p:sldIdLst>
-  <p:sldSz cx="9144000" cy="6858000" type="screen4x3"/>
+  <p:sldSz cx="9144000" cy="5143500" type="screen16x9"/>
   <p:notesSz cx="6858000" cy="9144000"/>
   <p:defaultTextStyle>
     <a:defPPr>
@@ -223,7 +223,7 @@
           <a:p>
             <a:fld id="{CD82ABA6-E98D-4581-8644-D68FB9302624}" type="datetimeFigureOut">
               <a:rPr lang="zh-CN" altLang="en-US" smtClean="0"/>
-              <a:t>2014/5/6</a:t>
+              <a:t>2018/3/3</a:t>
             </a:fld>
             <a:endParaRPr lang="zh-CN" altLang="en-US"/>
           </a:p>
@@ -241,8 +241,8 @@
         </p:nvSpPr>
         <p:spPr>
           <a:xfrm>
-            <a:off x="1143000" y="685800"/>
-            <a:ext cx="4572000" cy="3429000"/>
+            <a:off x="381000" y="685800"/>
+            <a:ext cx="6096000" cy="3429000"/>
           </a:xfrm>
           <a:prstGeom prst="rect">
             <a:avLst/>
@@ -518,7 +518,12 @@
             <p:ph type="sldImg"/>
           </p:nvPr>
         </p:nvSpPr>
-        <p:spPr/>
+        <p:spPr>
+          <a:xfrm>
+            <a:off x="381000" y="685800"/>
+            <a:ext cx="6096000" cy="3429000"/>
+          </a:xfrm>
+        </p:spPr>
       </p:sp>
       <p:sp>
         <p:nvSpPr>
@@ -991,7 +996,12 @@
             <p:ph type="sldImg"/>
           </p:nvPr>
         </p:nvSpPr>
-        <p:spPr/>
+        <p:spPr>
+          <a:xfrm>
+            <a:off x="381000" y="685800"/>
+            <a:ext cx="6096000" cy="3429000"/>
+          </a:xfrm>
+        </p:spPr>
       </p:sp>
       <p:sp>
         <p:nvSpPr>
@@ -1438,7 +1448,12 @@
             <p:ph type="sldImg"/>
           </p:nvPr>
         </p:nvSpPr>
-        <p:spPr/>
+        <p:spPr>
+          <a:xfrm>
+            <a:off x="381000" y="685800"/>
+            <a:ext cx="6096000" cy="3429000"/>
+          </a:xfrm>
+        </p:spPr>
       </p:sp>
       <p:sp>
         <p:nvSpPr>
@@ -1721,7 +1736,12 @@
             <p:ph type="sldImg"/>
           </p:nvPr>
         </p:nvSpPr>
-        <p:spPr/>
+        <p:spPr>
+          <a:xfrm>
+            <a:off x="381000" y="685800"/>
+            <a:ext cx="6096000" cy="3429000"/>
+          </a:xfrm>
+        </p:spPr>
       </p:sp>
       <p:sp>
         <p:nvSpPr>
@@ -2576,8 +2596,8 @@
         </p:nvSpPr>
         <p:spPr>
           <a:xfrm>
-            <a:off x="685800" y="2130425"/>
-            <a:ext cx="7772400" cy="1470025"/>
+            <a:off x="685800" y="1597819"/>
+            <a:ext cx="7772400" cy="1102519"/>
           </a:xfrm>
         </p:spPr>
         <p:txBody>
@@ -2604,8 +2624,8 @@
         </p:nvSpPr>
         <p:spPr>
           <a:xfrm>
-            <a:off x="1371600" y="3886200"/>
-            <a:ext cx="6400800" cy="1752600"/>
+            <a:off x="1371600" y="2914650"/>
+            <a:ext cx="6400800" cy="1314450"/>
           </a:xfrm>
         </p:spPr>
         <p:txBody>
@@ -2729,7 +2749,7 @@
             <a:fld id="{530820CF-B880-4189-942D-D702A7CBA730}" type="datetimeFigureOut">
               <a:rPr lang="zh-CN" altLang="en-US" smtClean="0"/>
               <a:pPr/>
-              <a:t>2014/5/6</a:t>
+              <a:t>2018/3/3</a:t>
             </a:fld>
             <a:endParaRPr lang="zh-CN" altLang="en-US"/>
           </a:p>
@@ -2896,7 +2916,7 @@
             <a:fld id="{530820CF-B880-4189-942D-D702A7CBA730}" type="datetimeFigureOut">
               <a:rPr lang="zh-CN" altLang="en-US" smtClean="0"/>
               <a:pPr/>
-              <a:t>2014/5/6</a:t>
+              <a:t>2018/3/3</a:t>
             </a:fld>
             <a:endParaRPr lang="zh-CN" altLang="en-US"/>
           </a:p>
@@ -2982,8 +3002,8 @@
         </p:nvSpPr>
         <p:spPr>
           <a:xfrm>
-            <a:off x="6629400" y="274638"/>
-            <a:ext cx="2057400" cy="5851525"/>
+            <a:off x="6629400" y="205979"/>
+            <a:ext cx="2057400" cy="4388644"/>
           </a:xfrm>
         </p:spPr>
         <p:txBody>
@@ -3010,8 +3030,8 @@
         </p:nvSpPr>
         <p:spPr>
           <a:xfrm>
-            <a:off x="457200" y="274638"/>
-            <a:ext cx="6019800" cy="5851525"/>
+            <a:off x="457200" y="205979"/>
+            <a:ext cx="6019800" cy="4388644"/>
           </a:xfrm>
         </p:spPr>
         <p:txBody>
@@ -3073,7 +3093,7 @@
             <a:fld id="{530820CF-B880-4189-942D-D702A7CBA730}" type="datetimeFigureOut">
               <a:rPr lang="zh-CN" altLang="en-US" smtClean="0"/>
               <a:pPr/>
-              <a:t>2014/5/6</a:t>
+              <a:t>2018/3/3</a:t>
             </a:fld>
             <a:endParaRPr lang="zh-CN" altLang="en-US"/>
           </a:p>
@@ -3240,7 +3260,7 @@
             <a:fld id="{530820CF-B880-4189-942D-D702A7CBA730}" type="datetimeFigureOut">
               <a:rPr lang="zh-CN" altLang="en-US" smtClean="0"/>
               <a:pPr/>
-              <a:t>2014/5/6</a:t>
+              <a:t>2018/3/3</a:t>
             </a:fld>
             <a:endParaRPr lang="zh-CN" altLang="en-US"/>
           </a:p>
@@ -3326,8 +3346,8 @@
         </p:nvSpPr>
         <p:spPr>
           <a:xfrm>
-            <a:off x="722313" y="4406900"/>
-            <a:ext cx="7772400" cy="1362075"/>
+            <a:off x="722313" y="3305176"/>
+            <a:ext cx="7772400" cy="1021556"/>
           </a:xfrm>
         </p:spPr>
         <p:txBody>
@@ -3358,8 +3378,8 @@
         </p:nvSpPr>
         <p:spPr>
           <a:xfrm>
-            <a:off x="722313" y="2906713"/>
-            <a:ext cx="7772400" cy="1500187"/>
+            <a:off x="722313" y="2180035"/>
+            <a:ext cx="7772400" cy="1125140"/>
           </a:xfrm>
         </p:spPr>
         <p:txBody>
@@ -3483,7 +3503,7 @@
             <a:fld id="{530820CF-B880-4189-942D-D702A7CBA730}" type="datetimeFigureOut">
               <a:rPr lang="zh-CN" altLang="en-US" smtClean="0"/>
               <a:pPr/>
-              <a:t>2014/5/6</a:t>
+              <a:t>2018/3/3</a:t>
             </a:fld>
             <a:endParaRPr lang="zh-CN" altLang="en-US"/>
           </a:p>
@@ -3592,8 +3612,8 @@
         </p:nvSpPr>
         <p:spPr>
           <a:xfrm>
-            <a:off x="457200" y="1600200"/>
-            <a:ext cx="4038600" cy="4525963"/>
+            <a:off x="457200" y="1200151"/>
+            <a:ext cx="4038600" cy="3394472"/>
           </a:xfrm>
         </p:spPr>
         <p:txBody>
@@ -3677,8 +3697,8 @@
         </p:nvSpPr>
         <p:spPr>
           <a:xfrm>
-            <a:off x="4648200" y="1600200"/>
-            <a:ext cx="4038600" cy="4525963"/>
+            <a:off x="4648200" y="1200151"/>
+            <a:ext cx="4038600" cy="3394472"/>
           </a:xfrm>
         </p:spPr>
         <p:txBody>
@@ -3768,7 +3788,7 @@
             <a:fld id="{530820CF-B880-4189-942D-D702A7CBA730}" type="datetimeFigureOut">
               <a:rPr lang="zh-CN" altLang="en-US" smtClean="0"/>
               <a:pPr/>
-              <a:t>2014/5/6</a:t>
+              <a:t>2018/3/3</a:t>
             </a:fld>
             <a:endParaRPr lang="zh-CN" altLang="en-US"/>
           </a:p>
@@ -3881,8 +3901,8 @@
         </p:nvSpPr>
         <p:spPr>
           <a:xfrm>
-            <a:off x="457200" y="1535113"/>
-            <a:ext cx="4040188" cy="639762"/>
+            <a:off x="457200" y="1151335"/>
+            <a:ext cx="4040188" cy="479822"/>
           </a:xfrm>
         </p:spPr>
         <p:txBody>
@@ -3946,8 +3966,8 @@
         </p:nvSpPr>
         <p:spPr>
           <a:xfrm>
-            <a:off x="457200" y="2174875"/>
-            <a:ext cx="4040188" cy="3951288"/>
+            <a:off x="457200" y="1631156"/>
+            <a:ext cx="4040188" cy="2963466"/>
           </a:xfrm>
         </p:spPr>
         <p:txBody>
@@ -4031,8 +4051,8 @@
         </p:nvSpPr>
         <p:spPr>
           <a:xfrm>
-            <a:off x="4645025" y="1535113"/>
-            <a:ext cx="4041775" cy="639762"/>
+            <a:off x="4645026" y="1151335"/>
+            <a:ext cx="4041775" cy="479822"/>
           </a:xfrm>
         </p:spPr>
         <p:txBody>
@@ -4096,8 +4116,8 @@
         </p:nvSpPr>
         <p:spPr>
           <a:xfrm>
-            <a:off x="4645025" y="2174875"/>
-            <a:ext cx="4041775" cy="3951288"/>
+            <a:off x="4645026" y="1631156"/>
+            <a:ext cx="4041775" cy="2963466"/>
           </a:xfrm>
         </p:spPr>
         <p:txBody>
@@ -4187,7 +4207,7 @@
             <a:fld id="{530820CF-B880-4189-942D-D702A7CBA730}" type="datetimeFigureOut">
               <a:rPr lang="zh-CN" altLang="en-US" smtClean="0"/>
               <a:pPr/>
-              <a:t>2014/5/6</a:t>
+              <a:t>2018/3/3</a:t>
             </a:fld>
             <a:endParaRPr lang="zh-CN" altLang="en-US"/>
           </a:p>
@@ -4302,7 +4322,7 @@
             <a:fld id="{530820CF-B880-4189-942D-D702A7CBA730}" type="datetimeFigureOut">
               <a:rPr lang="zh-CN" altLang="en-US" smtClean="0"/>
               <a:pPr/>
-              <a:t>2014/5/6</a:t>
+              <a:t>2018/3/3</a:t>
             </a:fld>
             <a:endParaRPr lang="zh-CN" altLang="en-US"/>
           </a:p>
@@ -4394,7 +4414,7 @@
             <a:fld id="{530820CF-B880-4189-942D-D702A7CBA730}" type="datetimeFigureOut">
               <a:rPr lang="zh-CN" altLang="en-US" smtClean="0"/>
               <a:pPr/>
-              <a:t>2014/5/6</a:t>
+              <a:t>2018/3/3</a:t>
             </a:fld>
             <a:endParaRPr lang="zh-CN" altLang="en-US"/>
           </a:p>
@@ -4480,8 +4500,8 @@
         </p:nvSpPr>
         <p:spPr>
           <a:xfrm>
-            <a:off x="457200" y="273050"/>
-            <a:ext cx="3008313" cy="1162050"/>
+            <a:off x="457201" y="204787"/>
+            <a:ext cx="3008313" cy="871538"/>
           </a:xfrm>
         </p:spPr>
         <p:txBody>
@@ -4512,8 +4532,8 @@
         </p:nvSpPr>
         <p:spPr>
           <a:xfrm>
-            <a:off x="3575050" y="273050"/>
-            <a:ext cx="5111750" cy="5853113"/>
+            <a:off x="3575050" y="204788"/>
+            <a:ext cx="5111750" cy="4389835"/>
           </a:xfrm>
         </p:spPr>
         <p:txBody>
@@ -4597,8 +4617,8 @@
         </p:nvSpPr>
         <p:spPr>
           <a:xfrm>
-            <a:off x="457200" y="1435100"/>
-            <a:ext cx="3008313" cy="4691063"/>
+            <a:off x="457201" y="1076326"/>
+            <a:ext cx="3008313" cy="3518297"/>
           </a:xfrm>
         </p:spPr>
         <p:txBody>
@@ -4668,7 +4688,7 @@
             <a:fld id="{530820CF-B880-4189-942D-D702A7CBA730}" type="datetimeFigureOut">
               <a:rPr lang="zh-CN" altLang="en-US" smtClean="0"/>
               <a:pPr/>
-              <a:t>2014/5/6</a:t>
+              <a:t>2018/3/3</a:t>
             </a:fld>
             <a:endParaRPr lang="zh-CN" altLang="en-US"/>
           </a:p>
@@ -4754,8 +4774,8 @@
         </p:nvSpPr>
         <p:spPr>
           <a:xfrm>
-            <a:off x="1792288" y="4800600"/>
-            <a:ext cx="5486400" cy="566738"/>
+            <a:off x="1792288" y="3600450"/>
+            <a:ext cx="5486400" cy="425054"/>
           </a:xfrm>
         </p:spPr>
         <p:txBody>
@@ -4786,8 +4806,8 @@
         </p:nvSpPr>
         <p:spPr>
           <a:xfrm>
-            <a:off x="1792288" y="612775"/>
-            <a:ext cx="5486400" cy="4114800"/>
+            <a:off x="1792288" y="459581"/>
+            <a:ext cx="5486400" cy="3086100"/>
           </a:xfrm>
         </p:spPr>
         <p:txBody>
@@ -4847,8 +4867,8 @@
         </p:nvSpPr>
         <p:spPr>
           <a:xfrm>
-            <a:off x="1792288" y="5367338"/>
-            <a:ext cx="5486400" cy="804862"/>
+            <a:off x="1792288" y="4025503"/>
+            <a:ext cx="5486400" cy="603647"/>
           </a:xfrm>
         </p:spPr>
         <p:txBody>
@@ -4918,7 +4938,7 @@
             <a:fld id="{530820CF-B880-4189-942D-D702A7CBA730}" type="datetimeFigureOut">
               <a:rPr lang="zh-CN" altLang="en-US" smtClean="0"/>
               <a:pPr/>
-              <a:t>2014/5/6</a:t>
+              <a:t>2018/3/3</a:t>
             </a:fld>
             <a:endParaRPr lang="zh-CN" altLang="en-US"/>
           </a:p>
@@ -5009,8 +5029,8 @@
         </p:nvSpPr>
         <p:spPr>
           <a:xfrm>
-            <a:off x="457200" y="274638"/>
-            <a:ext cx="8229600" cy="1143000"/>
+            <a:off x="457200" y="205979"/>
+            <a:ext cx="8229600" cy="857250"/>
           </a:xfrm>
           <a:prstGeom prst="rect">
             <a:avLst/>
@@ -5042,8 +5062,8 @@
         </p:nvSpPr>
         <p:spPr>
           <a:xfrm>
-            <a:off x="457200" y="1600200"/>
-            <a:ext cx="8229600" cy="4525963"/>
+            <a:off x="457200" y="1200151"/>
+            <a:ext cx="8229600" cy="3394472"/>
           </a:xfrm>
           <a:prstGeom prst="rect">
             <a:avLst/>
@@ -5104,8 +5124,8 @@
         </p:nvSpPr>
         <p:spPr>
           <a:xfrm>
-            <a:off x="457200" y="6356350"/>
-            <a:ext cx="2133600" cy="365125"/>
+            <a:off x="457200" y="4767263"/>
+            <a:ext cx="2133600" cy="273844"/>
           </a:xfrm>
           <a:prstGeom prst="rect">
             <a:avLst/>
@@ -5128,7 +5148,7 @@
             <a:fld id="{530820CF-B880-4189-942D-D702A7CBA730}" type="datetimeFigureOut">
               <a:rPr lang="zh-CN" altLang="en-US" smtClean="0"/>
               <a:pPr/>
-              <a:t>2014/5/6</a:t>
+              <a:t>2018/3/3</a:t>
             </a:fld>
             <a:endParaRPr lang="zh-CN" altLang="en-US"/>
           </a:p>
@@ -5146,8 +5166,8 @@
         </p:nvSpPr>
         <p:spPr>
           <a:xfrm>
-            <a:off x="3124200" y="6356350"/>
-            <a:ext cx="2895600" cy="365125"/>
+            <a:off x="3124200" y="4767263"/>
+            <a:ext cx="2895600" cy="273844"/>
           </a:xfrm>
           <a:prstGeom prst="rect">
             <a:avLst/>
@@ -5183,8 +5203,8 @@
         </p:nvSpPr>
         <p:spPr>
           <a:xfrm>
-            <a:off x="6553200" y="6356350"/>
-            <a:ext cx="2133600" cy="365125"/>
+            <a:off x="6553200" y="4767263"/>
+            <a:ext cx="2133600" cy="273844"/>
           </a:xfrm>
           <a:prstGeom prst="rect">
             <a:avLst/>
@@ -5630,8 +5650,8 @@
         </p:blipFill>
         <p:spPr bwMode="auto">
           <a:xfrm>
-            <a:off x="3440430" y="1798320"/>
-            <a:ext cx="2263140" cy="3261360"/>
+            <a:off x="3440430" y="1348740"/>
+            <a:ext cx="2263140" cy="2446020"/>
           </a:xfrm>
           <a:prstGeom prst="rect">
             <a:avLst/>
@@ -5708,7 +5728,7 @@
         <p:spPr/>
         <p:txBody>
           <a:bodyPr>
-            <a:normAutofit fontScale="92500"/>
+            <a:normAutofit fontScale="85000" lnSpcReduction="20000"/>
           </a:bodyPr>
           <a:lstStyle/>
           <a:p>
@@ -5825,8 +5845,8 @@
         </p:blipFill>
         <p:spPr bwMode="auto">
           <a:xfrm>
-            <a:off x="3440430" y="1809750"/>
-            <a:ext cx="2263140" cy="3238500"/>
+            <a:off x="3440430" y="1357313"/>
+            <a:ext cx="2263140" cy="2428875"/>
           </a:xfrm>
           <a:prstGeom prst="rect">
             <a:avLst/>
@@ -5903,7 +5923,7 @@
         <p:spPr/>
         <p:txBody>
           <a:bodyPr>
-            <a:normAutofit fontScale="92500" lnSpcReduction="20000"/>
+            <a:normAutofit fontScale="77500" lnSpcReduction="20000"/>
           </a:bodyPr>
           <a:lstStyle/>
           <a:p>
@@ -6040,8 +6060,8 @@
         </p:blipFill>
         <p:spPr bwMode="auto">
           <a:xfrm>
-            <a:off x="-65504" y="1196078"/>
-            <a:ext cx="9318024" cy="216698"/>
+            <a:off x="-65504" y="897058"/>
+            <a:ext cx="9318024" cy="162524"/>
           </a:xfrm>
           <a:prstGeom prst="rect">
             <a:avLst/>
@@ -6362,8 +6382,8 @@
         </p:blipFill>
         <p:spPr bwMode="auto">
           <a:xfrm>
-            <a:off x="2419350" y="1809750"/>
-            <a:ext cx="4305300" cy="3238500"/>
+            <a:off x="2419350" y="1357313"/>
+            <a:ext cx="4305300" cy="2428875"/>
           </a:xfrm>
           <a:prstGeom prst="rect">
             <a:avLst/>
@@ -6467,8 +6487,8 @@
         </p:blipFill>
         <p:spPr bwMode="auto">
           <a:xfrm>
-            <a:off x="2483768" y="3356992"/>
-            <a:ext cx="4257308" cy="2859420"/>
+            <a:off x="2468662" y="2859782"/>
+            <a:ext cx="4257308" cy="2144565"/>
           </a:xfrm>
           <a:prstGeom prst="rect">
             <a:avLst/>
@@ -6639,8 +6659,8 @@
         </p:blipFill>
         <p:spPr bwMode="auto">
           <a:xfrm>
-            <a:off x="3021330" y="449580"/>
-            <a:ext cx="3101340" cy="5958840"/>
+            <a:off x="3021330" y="337185"/>
+            <a:ext cx="3101340" cy="4469130"/>
           </a:xfrm>
           <a:prstGeom prst="rect">
             <a:avLst/>
@@ -6738,8 +6758,8 @@
         </p:blipFill>
         <p:spPr bwMode="auto">
           <a:xfrm>
-            <a:off x="2483768" y="1772816"/>
-            <a:ext cx="3533229" cy="3533229"/>
+            <a:off x="2483769" y="1329612"/>
+            <a:ext cx="3533229" cy="2649922"/>
           </a:xfrm>
           <a:prstGeom prst="rect">
             <a:avLst/>
@@ -6844,8 +6864,8 @@
         </p:blipFill>
         <p:spPr bwMode="auto">
           <a:xfrm>
-            <a:off x="0" y="1913786"/>
-            <a:ext cx="4680738" cy="3963486"/>
+            <a:off x="0" y="1435339"/>
+            <a:ext cx="4680738" cy="2972615"/>
           </a:xfrm>
           <a:prstGeom prst="rect">
             <a:avLst/>
@@ -6876,8 +6896,8 @@
         </p:blipFill>
         <p:spPr bwMode="auto">
           <a:xfrm>
-            <a:off x="4967644" y="1772816"/>
-            <a:ext cx="4176356" cy="4104392"/>
+            <a:off x="4967644" y="1329612"/>
+            <a:ext cx="4176356" cy="3078294"/>
           </a:xfrm>
           <a:prstGeom prst="rect">
             <a:avLst/>
@@ -6959,7 +6979,7 @@
         <p:spPr/>
         <p:txBody>
           <a:bodyPr>
-            <a:normAutofit fontScale="85000" lnSpcReduction="10000"/>
+            <a:normAutofit fontScale="77500" lnSpcReduction="20000"/>
           </a:bodyPr>
           <a:lstStyle/>
           <a:p>
@@ -7126,7 +7146,7 @@
         <p:spPr/>
         <p:txBody>
           <a:bodyPr>
-            <a:normAutofit/>
+            <a:normAutofit lnSpcReduction="10000"/>
           </a:bodyPr>
           <a:lstStyle/>
           <a:p>
@@ -7219,8 +7239,8 @@
         </p:blipFill>
         <p:spPr bwMode="auto">
           <a:xfrm>
-            <a:off x="4932040" y="5013176"/>
-            <a:ext cx="3124200" cy="876300"/>
+            <a:off x="4139952" y="4227934"/>
+            <a:ext cx="3124200" cy="657225"/>
           </a:xfrm>
           <a:prstGeom prst="rect">
             <a:avLst/>
@@ -7332,8 +7352,8 @@
         </p:blipFill>
         <p:spPr bwMode="auto">
           <a:xfrm>
-            <a:off x="3059832" y="1295400"/>
-            <a:ext cx="2682240" cy="5562600"/>
+            <a:off x="3059832" y="971550"/>
+            <a:ext cx="2682240" cy="4171950"/>
           </a:xfrm>
           <a:prstGeom prst="rect">
             <a:avLst/>
@@ -7575,8 +7595,8 @@
         </p:blipFill>
         <p:spPr bwMode="auto">
           <a:xfrm>
-            <a:off x="3124200" y="2145030"/>
-            <a:ext cx="2895600" cy="2567940"/>
+            <a:off x="3124200" y="1608773"/>
+            <a:ext cx="2895600" cy="1925955"/>
           </a:xfrm>
           <a:prstGeom prst="rect">
             <a:avLst/>
@@ -7824,8 +7844,8 @@
         </p:blipFill>
         <p:spPr bwMode="auto">
           <a:xfrm>
-            <a:off x="3124200" y="2141220"/>
-            <a:ext cx="2895600" cy="2575560"/>
+            <a:off x="3124200" y="1605915"/>
+            <a:ext cx="2895600" cy="1931670"/>
           </a:xfrm>
           <a:prstGeom prst="rect">
             <a:avLst/>
@@ -7905,10 +7925,15 @@
             <p:ph idx="1"/>
           </p:nvPr>
         </p:nvSpPr>
-        <p:spPr/>
+        <p:spPr>
+          <a:xfrm>
+            <a:off x="457200" y="1193502"/>
+            <a:ext cx="8229600" cy="3394472"/>
+          </a:xfrm>
+        </p:spPr>
         <p:txBody>
           <a:bodyPr>
-            <a:normAutofit/>
+            <a:normAutofit fontScale="92500" lnSpcReduction="10000"/>
           </a:bodyPr>
           <a:lstStyle/>
           <a:p>
@@ -8209,7 +8234,7 @@
         <p:spPr/>
         <p:txBody>
           <a:bodyPr>
-            <a:normAutofit fontScale="70000" lnSpcReduction="20000"/>
+            <a:normAutofit fontScale="55000" lnSpcReduction="20000"/>
           </a:bodyPr>
           <a:lstStyle/>
           <a:p>
@@ -8765,8 +8790,8 @@
         </p:blipFill>
         <p:spPr bwMode="auto">
           <a:xfrm>
-            <a:off x="2411413" y="1268413"/>
-            <a:ext cx="4321175" cy="4321175"/>
+            <a:off x="2411414" y="951310"/>
+            <a:ext cx="4321175" cy="3240881"/>
           </a:xfrm>
           <a:prstGeom prst="rect">
             <a:avLst/>
@@ -8904,8 +8929,8 @@
         </p:blipFill>
         <p:spPr bwMode="auto">
           <a:xfrm>
-            <a:off x="2232025" y="620713"/>
-            <a:ext cx="4678363" cy="5616575"/>
+            <a:off x="2232026" y="465535"/>
+            <a:ext cx="4678363" cy="4212431"/>
           </a:xfrm>
           <a:prstGeom prst="rect">
             <a:avLst/>
@@ -9108,13 +9133,13 @@
         </p:nvSpPr>
         <p:spPr>
           <a:xfrm>
-            <a:off x="457200" y="1600201"/>
-            <a:ext cx="8435280" cy="2260848"/>
+            <a:off x="457200" y="1200151"/>
+            <a:ext cx="8435280" cy="1695636"/>
           </a:xfrm>
         </p:spPr>
         <p:txBody>
           <a:bodyPr>
-            <a:normAutofit fontScale="85000" lnSpcReduction="10000"/>
+            <a:normAutofit fontScale="70000" lnSpcReduction="20000"/>
           </a:bodyPr>
           <a:lstStyle/>
           <a:p>
@@ -9214,8 +9239,8 @@
         </p:blipFill>
         <p:spPr bwMode="auto">
           <a:xfrm>
-            <a:off x="2051720" y="3933056"/>
-            <a:ext cx="4462398" cy="2409179"/>
+            <a:off x="2051720" y="2949793"/>
+            <a:ext cx="4462398" cy="1806884"/>
           </a:xfrm>
           <a:prstGeom prst="rect">
             <a:avLst/>
@@ -9303,13 +9328,13 @@
         </p:nvSpPr>
         <p:spPr>
           <a:xfrm>
-            <a:off x="457200" y="1600200"/>
-            <a:ext cx="4042792" cy="4525963"/>
+            <a:off x="457200" y="1200151"/>
+            <a:ext cx="4042792" cy="3394472"/>
           </a:xfrm>
         </p:spPr>
         <p:txBody>
           <a:bodyPr>
-            <a:normAutofit fontScale="77500" lnSpcReduction="20000"/>
+            <a:normAutofit fontScale="62500" lnSpcReduction="20000"/>
           </a:bodyPr>
           <a:lstStyle/>
           <a:p>
@@ -9408,8 +9433,8 @@
         </p:blipFill>
         <p:spPr bwMode="auto">
           <a:xfrm>
-            <a:off x="4644008" y="1268760"/>
-            <a:ext cx="4054475" cy="5510213"/>
+            <a:off x="4644009" y="951570"/>
+            <a:ext cx="4054475" cy="4132660"/>
           </a:xfrm>
           <a:prstGeom prst="rect">
             <a:avLst/>
@@ -9602,8 +9627,8 @@
         </p:blipFill>
         <p:spPr bwMode="auto">
           <a:xfrm>
-            <a:off x="1835696" y="3501008"/>
-            <a:ext cx="3943350" cy="3166269"/>
+            <a:off x="2339752" y="2929300"/>
+            <a:ext cx="3439294" cy="2071157"/>
           </a:xfrm>
           <a:prstGeom prst="rect">
             <a:avLst/>
@@ -9745,8 +9770,8 @@
         </p:blipFill>
         <p:spPr bwMode="auto">
           <a:xfrm>
-            <a:off x="1403648" y="1340768"/>
-            <a:ext cx="6740341" cy="4941185"/>
+            <a:off x="1403649" y="1005576"/>
+            <a:ext cx="6740341" cy="3705889"/>
           </a:xfrm>
           <a:prstGeom prst="rect">
             <a:avLst/>
@@ -9830,7 +9855,7 @@
         <p:spPr/>
         <p:txBody>
           <a:bodyPr>
-            <a:normAutofit fontScale="70000" lnSpcReduction="20000"/>
+            <a:normAutofit fontScale="62500" lnSpcReduction="20000"/>
           </a:bodyPr>
           <a:lstStyle/>
           <a:p>
